--- a/Presentations/Individual Meetings/2020-06-15/Meeting2020-06-15.pptx
+++ b/Presentations/Individual Meetings/2020-06-15/Meeting2020-06-15.pptx
@@ -6,10 +6,15 @@
   </p:sldMasterIdLst>
   <p:sldIdLst>
     <p:sldId id="256" r:id="rId2"/>
-    <p:sldId id="273" r:id="rId3"/>
-    <p:sldId id="275" r:id="rId4"/>
-    <p:sldId id="274" r:id="rId5"/>
-    <p:sldId id="268" r:id="rId6"/>
+    <p:sldId id="276" r:id="rId3"/>
+    <p:sldId id="277" r:id="rId4"/>
+    <p:sldId id="278" r:id="rId5"/>
+    <p:sldId id="282" r:id="rId6"/>
+    <p:sldId id="279" r:id="rId7"/>
+    <p:sldId id="285" r:id="rId8"/>
+    <p:sldId id="284" r:id="rId9"/>
+    <p:sldId id="283" r:id="rId10"/>
+    <p:sldId id="268" r:id="rId11"/>
   </p:sldIdLst>
   <p:sldSz cx="12192000" cy="6858000"/>
   <p:notesSz cx="6858000" cy="9144000"/>
@@ -292,7 +297,7 @@
           <a:p>
             <a:fld id="{E4D37D77-59F4-4F40-A7D2-FD1165658DD5}" type="datetimeFigureOut">
               <a:rPr lang="en-ZA" smtClean="0"/>
-              <a:t>2020-06-08</a:t>
+              <a:t>2020-06-15</a:t>
             </a:fld>
             <a:endParaRPr lang="en-ZA"/>
           </a:p>
@@ -462,7 +467,7 @@
           <a:p>
             <a:fld id="{E4D37D77-59F4-4F40-A7D2-FD1165658DD5}" type="datetimeFigureOut">
               <a:rPr lang="en-ZA" smtClean="0"/>
-              <a:t>2020-06-08</a:t>
+              <a:t>2020-06-15</a:t>
             </a:fld>
             <a:endParaRPr lang="en-ZA"/>
           </a:p>
@@ -685,7 +690,7 @@
           <a:p>
             <a:fld id="{E4D37D77-59F4-4F40-A7D2-FD1165658DD5}" type="datetimeFigureOut">
               <a:rPr lang="en-ZA" smtClean="0"/>
-              <a:t>2020-06-08</a:t>
+              <a:t>2020-06-15</a:t>
             </a:fld>
             <a:endParaRPr lang="en-ZA"/>
           </a:p>
@@ -865,7 +870,7 @@
           <a:p>
             <a:fld id="{E4D37D77-59F4-4F40-A7D2-FD1165658DD5}" type="datetimeFigureOut">
               <a:rPr lang="en-ZA" smtClean="0"/>
-              <a:t>2020-06-08</a:t>
+              <a:t>2020-06-15</a:t>
             </a:fld>
             <a:endParaRPr lang="en-ZA"/>
           </a:p>
@@ -1171,7 +1176,7 @@
           <a:p>
             <a:fld id="{E4D37D77-59F4-4F40-A7D2-FD1165658DD5}" type="datetimeFigureOut">
               <a:rPr lang="en-ZA" smtClean="0"/>
-              <a:t>2020-06-08</a:t>
+              <a:t>2020-06-15</a:t>
             </a:fld>
             <a:endParaRPr lang="en-ZA"/>
           </a:p>
@@ -1475,7 +1480,7 @@
           <a:p>
             <a:fld id="{E4D37D77-59F4-4F40-A7D2-FD1165658DD5}" type="datetimeFigureOut">
               <a:rPr lang="en-ZA" smtClean="0"/>
-              <a:t>2020-06-08</a:t>
+              <a:t>2020-06-15</a:t>
             </a:fld>
             <a:endParaRPr lang="en-ZA"/>
           </a:p>
@@ -1897,7 +1902,7 @@
           <a:p>
             <a:fld id="{E4D37D77-59F4-4F40-A7D2-FD1165658DD5}" type="datetimeFigureOut">
               <a:rPr lang="en-ZA" smtClean="0"/>
-              <a:t>2020-06-08</a:t>
+              <a:t>2020-06-15</a:t>
             </a:fld>
             <a:endParaRPr lang="en-ZA"/>
           </a:p>
@@ -2015,7 +2020,7 @@
           <a:p>
             <a:fld id="{E4D37D77-59F4-4F40-A7D2-FD1165658DD5}" type="datetimeFigureOut">
               <a:rPr lang="en-ZA" smtClean="0"/>
-              <a:t>2020-06-08</a:t>
+              <a:t>2020-06-15</a:t>
             </a:fld>
             <a:endParaRPr lang="en-ZA"/>
           </a:p>
@@ -2110,7 +2115,7 @@
           <a:p>
             <a:fld id="{E4D37D77-59F4-4F40-A7D2-FD1165658DD5}" type="datetimeFigureOut">
               <a:rPr lang="en-ZA" smtClean="0"/>
-              <a:t>2020-06-08</a:t>
+              <a:t>2020-06-15</a:t>
             </a:fld>
             <a:endParaRPr lang="en-ZA"/>
           </a:p>
@@ -2383,7 +2388,7 @@
           <a:p>
             <a:fld id="{E4D37D77-59F4-4F40-A7D2-FD1165658DD5}" type="datetimeFigureOut">
               <a:rPr lang="en-ZA" smtClean="0"/>
-              <a:t>2020-06-08</a:t>
+              <a:t>2020-06-15</a:t>
             </a:fld>
             <a:endParaRPr lang="en-ZA"/>
           </a:p>
@@ -2648,7 +2653,7 @@
           <a:p>
             <a:fld id="{E4D37D77-59F4-4F40-A7D2-FD1165658DD5}" type="datetimeFigureOut">
               <a:rPr lang="en-ZA" smtClean="0"/>
-              <a:t>2020-06-08</a:t>
+              <a:t>2020-06-15</a:t>
             </a:fld>
             <a:endParaRPr lang="en-ZA"/>
           </a:p>
@@ -2897,7 +2902,7 @@
           <a:p>
             <a:fld id="{E4D37D77-59F4-4F40-A7D2-FD1165658DD5}" type="datetimeFigureOut">
               <a:rPr lang="en-ZA" smtClean="0"/>
-              <a:t>2020-06-08</a:t>
+              <a:t>2020-06-15</a:t>
             </a:fld>
             <a:endParaRPr lang="en-ZA"/>
           </a:p>
@@ -3375,7 +3380,7 @@
           <a:p>
             <a:r>
               <a:rPr lang="en-US" dirty="0"/>
-              <a:t>Meeting 06/08/2020</a:t>
+              <a:t>Meeting 15/06/2020</a:t>
             </a:r>
             <a:endParaRPr lang="en-ZA" dirty="0"/>
           </a:p>
@@ -3424,6 +3429,102 @@
     <p:extLst>
       <p:ext uri="{BB962C8B-B14F-4D97-AF65-F5344CB8AC3E}">
         <p14:creationId xmlns:p14="http://schemas.microsoft.com/office/powerpoint/2010/main" val="2403448435"/>
+      </p:ext>
+    </p:extLst>
+  </p:cSld>
+  <p:clrMapOvr>
+    <a:masterClrMapping/>
+  </p:clrMapOvr>
+</p:sld>
+</file>
+
+<file path=ppt/slides/slide10.xml><?xml version="1.0" encoding="utf-8"?>
+<p:sld xmlns:a="http://schemas.openxmlformats.org/drawingml/2006/main" xmlns:r="http://schemas.openxmlformats.org/officeDocument/2006/relationships" xmlns:p="http://schemas.openxmlformats.org/presentationml/2006/main">
+  <p:cSld>
+    <p:spTree>
+      <p:nvGrpSpPr>
+        <p:cNvPr id="1" name=""/>
+        <p:cNvGrpSpPr/>
+        <p:nvPr/>
+      </p:nvGrpSpPr>
+      <p:grpSpPr>
+        <a:xfrm>
+          <a:off x="0" y="0"/>
+          <a:ext cx="0" cy="0"/>
+          <a:chOff x="0" y="0"/>
+          <a:chExt cx="0" cy="0"/>
+        </a:xfrm>
+      </p:grpSpPr>
+      <p:sp>
+        <p:nvSpPr>
+          <p:cNvPr id="2" name="Title 1">
+            <a:extLst>
+              <a:ext uri="{FF2B5EF4-FFF2-40B4-BE49-F238E27FC236}">
+                <a16:creationId xmlns:a16="http://schemas.microsoft.com/office/drawing/2014/main" id="{0EABA01D-34EA-41A6-9528-E8242B3854C1}"/>
+              </a:ext>
+            </a:extLst>
+          </p:cNvPr>
+          <p:cNvSpPr>
+            <a:spLocks noGrp="1"/>
+          </p:cNvSpPr>
+          <p:nvPr>
+            <p:ph type="title"/>
+          </p:nvPr>
+        </p:nvSpPr>
+        <p:spPr/>
+        <p:txBody>
+          <a:bodyPr/>
+          <a:lstStyle/>
+          <a:p>
+            <a:r>
+              <a:rPr lang="en-US" dirty="0"/>
+              <a:t>Admin</a:t>
+            </a:r>
+            <a:endParaRPr lang="en-ZA" dirty="0"/>
+          </a:p>
+        </p:txBody>
+      </p:sp>
+      <p:sp>
+        <p:nvSpPr>
+          <p:cNvPr id="3" name="Content Placeholder 2">
+            <a:extLst>
+              <a:ext uri="{FF2B5EF4-FFF2-40B4-BE49-F238E27FC236}">
+                <a16:creationId xmlns:a16="http://schemas.microsoft.com/office/drawing/2014/main" id="{6194F00C-2E42-4AC6-A421-9B71FBBBA69E}"/>
+              </a:ext>
+            </a:extLst>
+          </p:cNvPr>
+          <p:cNvSpPr>
+            <a:spLocks noGrp="1"/>
+          </p:cNvSpPr>
+          <p:nvPr>
+            <p:ph idx="1"/>
+          </p:nvPr>
+        </p:nvSpPr>
+        <p:spPr/>
+        <p:txBody>
+          <a:bodyPr/>
+          <a:lstStyle/>
+          <a:p>
+            <a:r>
+              <a:rPr lang="en-US" dirty="0"/>
+              <a:t>Demi 2</a:t>
+            </a:r>
+            <a:r>
+              <a:rPr lang="en-US" baseline="30000" dirty="0"/>
+              <a:t>nd</a:t>
+            </a:r>
+            <a:r>
+              <a:rPr lang="en-US" dirty="0"/>
+              <a:t> semester</a:t>
+            </a:r>
+            <a:endParaRPr lang="en-ZA" dirty="0"/>
+          </a:p>
+        </p:txBody>
+      </p:sp>
+    </p:spTree>
+    <p:extLst>
+      <p:ext uri="{BB962C8B-B14F-4D97-AF65-F5344CB8AC3E}">
+        <p14:creationId xmlns:p14="http://schemas.microsoft.com/office/powerpoint/2010/main" val="2280869294"/>
       </p:ext>
     </p:extLst>
   </p:cSld>
@@ -3455,7 +3556,7 @@
           <p:cNvPr id="2" name="Title 1">
             <a:extLst>
               <a:ext uri="{FF2B5EF4-FFF2-40B4-BE49-F238E27FC236}">
-                <a16:creationId xmlns:a16="http://schemas.microsoft.com/office/drawing/2014/main" id="{4F987F75-9E56-4741-8D85-5E7DDF76F45F}"/>
+                <a16:creationId xmlns:a16="http://schemas.microsoft.com/office/drawing/2014/main" id="{2FDBA7AB-199D-4D4D-AFB7-949B4654281F}"/>
               </a:ext>
             </a:extLst>
           </p:cNvPr>
@@ -3473,97 +3574,172 @@
           <a:p>
             <a:r>
               <a:rPr lang="en-US" dirty="0"/>
-              <a:t>Internal Pressure</a:t>
+              <a:t>Code</a:t>
             </a:r>
             <a:endParaRPr lang="en-ZA" dirty="0"/>
           </a:p>
         </p:txBody>
       </p:sp>
-      <p:pic>
-        <p:nvPicPr>
-          <p:cNvPr id="4" name="Picture 3">
+      <p:sp>
+        <p:nvSpPr>
+          <p:cNvPr id="3" name="Content Placeholder 2">
             <a:extLst>
               <a:ext uri="{FF2B5EF4-FFF2-40B4-BE49-F238E27FC236}">
-                <a16:creationId xmlns:a16="http://schemas.microsoft.com/office/drawing/2014/main" id="{59E91665-682B-4555-9FD0-4FEB1F743BDB}"/>
+                <a16:creationId xmlns:a16="http://schemas.microsoft.com/office/drawing/2014/main" id="{84E69BB1-049E-4729-B231-5D223C30CFC2}"/>
               </a:ext>
             </a:extLst>
           </p:cNvPr>
-          <p:cNvPicPr>
-            <a:picLocks noChangeAspect="1"/>
-          </p:cNvPicPr>
-          <p:nvPr/>
-        </p:nvPicPr>
-        <p:blipFill>
-          <a:blip r:embed="rId2"/>
-          <a:stretch>
-            <a:fillRect/>
-          </a:stretch>
-        </p:blipFill>
+          <p:cNvSpPr>
+            <a:spLocks noGrp="1"/>
+          </p:cNvSpPr>
+          <p:nvPr>
+            <p:ph idx="1"/>
+          </p:nvPr>
+        </p:nvSpPr>
+        <p:spPr/>
+        <p:txBody>
+          <a:bodyPr/>
+          <a:lstStyle/>
+          <a:p>
+            <a:r>
+              <a:rPr lang="en-US" dirty="0"/>
+              <a:t>Size specification</a:t>
+            </a:r>
+          </a:p>
+          <a:p>
+            <a:r>
+              <a:rPr lang="en-US" dirty="0"/>
+              <a:t>Boundary thickness specification</a:t>
+            </a:r>
+          </a:p>
+          <a:p>
+            <a:r>
+              <a:rPr lang="en-US" dirty="0"/>
+              <a:t>Pickling</a:t>
+            </a:r>
+          </a:p>
+          <a:p>
+            <a:pPr lvl="1"/>
+            <a:r>
+              <a:rPr lang="en-US" dirty="0"/>
+              <a:t>Unit class objects</a:t>
+            </a:r>
+          </a:p>
+          <a:p>
+            <a:r>
+              <a:rPr lang="en-ZA" dirty="0"/>
+              <a:t>Unit performance verification</a:t>
+            </a:r>
+          </a:p>
+          <a:p>
+            <a:pPr lvl="1"/>
+            <a:r>
+              <a:rPr lang="en-ZA" dirty="0"/>
+              <a:t>Apply internal pressure</a:t>
+            </a:r>
+          </a:p>
+          <a:p>
+            <a:pPr lvl="1"/>
+            <a:r>
+              <a:rPr lang="en-ZA" dirty="0"/>
+              <a:t>Evaluate results</a:t>
+            </a:r>
+          </a:p>
+          <a:p>
+            <a:pPr lvl="1"/>
+            <a:r>
+              <a:rPr lang="en-ZA" dirty="0"/>
+              <a:t>Multiple </a:t>
+            </a:r>
+            <a:r>
+              <a:rPr lang="en-ZA" dirty="0" err="1"/>
+              <a:t>loadcases</a:t>
+            </a:r>
+            <a:r>
+              <a:rPr lang="en-ZA" dirty="0"/>
+              <a:t> and jobs</a:t>
+            </a:r>
+          </a:p>
+          <a:p>
+            <a:pPr lvl="1"/>
+            <a:endParaRPr lang="en-ZA" dirty="0"/>
+          </a:p>
+        </p:txBody>
+      </p:sp>
+    </p:spTree>
+    <p:extLst>
+      <p:ext uri="{BB962C8B-B14F-4D97-AF65-F5344CB8AC3E}">
+        <p14:creationId xmlns:p14="http://schemas.microsoft.com/office/powerpoint/2010/main" val="1102793192"/>
+      </p:ext>
+    </p:extLst>
+  </p:cSld>
+  <p:clrMapOvr>
+    <a:masterClrMapping/>
+  </p:clrMapOvr>
+</p:sld>
+</file>
+
+<file path=ppt/slides/slide3.xml><?xml version="1.0" encoding="utf-8"?>
+<p:sld xmlns:a="http://schemas.openxmlformats.org/drawingml/2006/main" xmlns:r="http://schemas.openxmlformats.org/officeDocument/2006/relationships" xmlns:p="http://schemas.openxmlformats.org/presentationml/2006/main">
+  <p:cSld>
+    <p:bg>
+      <p:bgPr>
+        <a:solidFill>
+          <a:schemeClr val="bg2"/>
+        </a:solidFill>
+        <a:effectLst/>
+      </p:bgPr>
+    </p:bg>
+    <p:spTree>
+      <p:nvGrpSpPr>
+        <p:cNvPr id="1" name=""/>
+        <p:cNvGrpSpPr/>
+        <p:nvPr/>
+      </p:nvGrpSpPr>
+      <p:grpSpPr>
+        <a:xfrm>
+          <a:off x="0" y="0"/>
+          <a:ext cx="0" cy="0"/>
+          <a:chOff x="0" y="0"/>
+          <a:chExt cx="0" cy="0"/>
+        </a:xfrm>
+      </p:grpSpPr>
+      <p:sp>
+        <p:nvSpPr>
+          <p:cNvPr id="14" name="Rectangle 13">
+            <a:extLst>
+              <a:ext uri="{FF2B5EF4-FFF2-40B4-BE49-F238E27FC236}">
+                <a16:creationId xmlns:a16="http://schemas.microsoft.com/office/drawing/2014/main" id="{BC8BEAE2-C1C6-4677-A0EF-4C89EEB4ADE6}"/>
+              </a:ext>
+              <a:ext uri="{C183D7F6-B498-43B3-948B-1728B52AA6E4}">
+                <adec:decorative xmlns:adec="http://schemas.microsoft.com/office/drawing/2017/decorative" val="1"/>
+              </a:ext>
+            </a:extLst>
+          </p:cNvPr>
+          <p:cNvSpPr>
+            <a:spLocks noGrp="1" noRot="1" noChangeAspect="1" noMove="1" noResize="1" noEditPoints="1" noAdjustHandles="1" noChangeArrowheads="1" noChangeShapeType="1" noTextEdit="1"/>
+          </p:cNvSpPr>
+          <p:nvPr>
+            <p:extLst>
+              <p:ext uri="{386F3935-93C4-4BCD-93E2-E3B085C9AB24}">
+                <p16:designElem xmlns:p16="http://schemas.microsoft.com/office/powerpoint/2015/main" val="1"/>
+              </p:ext>
+            </p:extLst>
+          </p:nvPr>
+        </p:nvSpPr>
         <p:spPr>
           <a:xfrm>
-            <a:off x="1202919" y="3429000"/>
-            <a:ext cx="1247948" cy="1530816"/>
+            <a:off x="483" y="176109"/>
+            <a:ext cx="12188952" cy="6531436"/>
           </a:xfrm>
           <a:prstGeom prst="rect">
             <a:avLst/>
           </a:prstGeom>
-        </p:spPr>
-      </p:pic>
-      <p:pic>
-        <p:nvPicPr>
-          <p:cNvPr id="5" name="Picture 4">
-            <a:extLst>
-              <a:ext uri="{FF2B5EF4-FFF2-40B4-BE49-F238E27FC236}">
-                <a16:creationId xmlns:a16="http://schemas.microsoft.com/office/drawing/2014/main" id="{656E1E9F-5127-4A1E-B364-2FE724C26CD0}"/>
-              </a:ext>
-            </a:extLst>
-          </p:cNvPr>
-          <p:cNvPicPr>
-            <a:picLocks noChangeAspect="1"/>
-          </p:cNvPicPr>
-          <p:nvPr/>
-        </p:nvPicPr>
-        <p:blipFill>
-          <a:blip r:embed="rId2"/>
-          <a:stretch>
-            <a:fillRect/>
-          </a:stretch>
-        </p:blipFill>
-        <p:spPr>
-          <a:xfrm>
-            <a:off x="3398905" y="3429000"/>
-            <a:ext cx="1247948" cy="1530816"/>
-          </a:xfrm>
-          <a:prstGeom prst="rect">
-            <a:avLst/>
-          </a:prstGeom>
-        </p:spPr>
-      </p:pic>
-      <p:sp>
-        <p:nvSpPr>
-          <p:cNvPr id="8" name="Rectangle 7">
-            <a:extLst>
-              <a:ext uri="{FF2B5EF4-FFF2-40B4-BE49-F238E27FC236}">
-                <a16:creationId xmlns:a16="http://schemas.microsoft.com/office/drawing/2014/main" id="{E0372D9E-74B3-4294-AC5B-F446D10D48A9}"/>
-              </a:ext>
-            </a:extLst>
-          </p:cNvPr>
-          <p:cNvSpPr/>
-          <p:nvPr/>
-        </p:nvSpPr>
-        <p:spPr>
-          <a:xfrm>
-            <a:off x="1417739" y="3766657"/>
-            <a:ext cx="268447" cy="268447"/>
-          </a:xfrm>
-          <a:prstGeom prst="rect">
-            <a:avLst/>
-          </a:prstGeom>
-          <a:noFill/>
-          <a:ln w="38100">
-            <a:solidFill>
-              <a:srgbClr val="FF0000"/>
-            </a:solidFill>
+          <a:solidFill>
+            <a:schemeClr val="tx1"/>
+          </a:solidFill>
+          <a:ln>
+            <a:noFill/>
           </a:ln>
         </p:spPr>
         <p:style>
@@ -3582,40 +3758,111 @@
             <a:schemeClr val="lt1"/>
           </a:fontRef>
         </p:style>
-        <p:txBody>
-          <a:bodyPr rtlCol="0" anchor="ctr"/>
-          <a:lstStyle/>
-          <a:p>
-            <a:pPr algn="ctr"/>
-            <a:endParaRPr lang="en-ZA"/>
-          </a:p>
-        </p:txBody>
-      </p:sp>
-      <p:sp>
-        <p:nvSpPr>
-          <p:cNvPr id="9" name="Rectangle 8">
+      </p:sp>
+      <p:pic>
+        <p:nvPicPr>
+          <p:cNvPr id="4" name="Picture 3">
             <a:extLst>
               <a:ext uri="{FF2B5EF4-FFF2-40B4-BE49-F238E27FC236}">
-                <a16:creationId xmlns:a16="http://schemas.microsoft.com/office/drawing/2014/main" id="{9E346A84-DE73-47DA-8CDD-73263E0B721A}"/>
+                <a16:creationId xmlns:a16="http://schemas.microsoft.com/office/drawing/2014/main" id="{90CE3425-4D6A-4838-93D4-B4D19CEC7243}"/>
               </a:ext>
             </a:extLst>
           </p:cNvPr>
-          <p:cNvSpPr/>
+          <p:cNvPicPr>
+            <a:picLocks noChangeAspect="1"/>
+          </p:cNvPicPr>
           <p:nvPr/>
-        </p:nvSpPr>
+        </p:nvPicPr>
+        <p:blipFill>
+          <a:blip r:embed="rId2"/>
+          <a:stretch>
+            <a:fillRect/>
+          </a:stretch>
+        </p:blipFill>
         <p:spPr>
           <a:xfrm>
-            <a:off x="1686186" y="3766657"/>
-            <a:ext cx="268447" cy="268447"/>
+            <a:off x="2775412" y="819576"/>
+            <a:ext cx="6638609" cy="5244501"/>
           </a:xfrm>
           <a:prstGeom prst="rect">
             <a:avLst/>
           </a:prstGeom>
-          <a:noFill/>
-          <a:ln w="38100">
-            <a:solidFill>
-              <a:srgbClr val="FF0000"/>
-            </a:solidFill>
+        </p:spPr>
+      </p:pic>
+    </p:spTree>
+    <p:extLst>
+      <p:ext uri="{BB962C8B-B14F-4D97-AF65-F5344CB8AC3E}">
+        <p14:creationId xmlns:p14="http://schemas.microsoft.com/office/powerpoint/2010/main" val="2922228357"/>
+      </p:ext>
+    </p:extLst>
+  </p:cSld>
+  <p:clrMapOvr>
+    <a:masterClrMapping/>
+  </p:clrMapOvr>
+</p:sld>
+</file>
+
+<file path=ppt/slides/slide4.xml><?xml version="1.0" encoding="utf-8"?>
+<p:sld xmlns:a="http://schemas.openxmlformats.org/drawingml/2006/main" xmlns:r="http://schemas.openxmlformats.org/officeDocument/2006/relationships" xmlns:p="http://schemas.openxmlformats.org/presentationml/2006/main">
+  <p:cSld>
+    <p:bg>
+      <p:bgPr>
+        <a:solidFill>
+          <a:schemeClr val="bg1"/>
+        </a:solidFill>
+        <a:effectLst/>
+      </p:bgPr>
+    </p:bg>
+    <p:spTree>
+      <p:nvGrpSpPr>
+        <p:cNvPr id="1" name=""/>
+        <p:cNvGrpSpPr/>
+        <p:nvPr/>
+      </p:nvGrpSpPr>
+      <p:grpSpPr>
+        <a:xfrm>
+          <a:off x="0" y="0"/>
+          <a:ext cx="0" cy="0"/>
+          <a:chOff x="0" y="0"/>
+          <a:chExt cx="0" cy="0"/>
+        </a:xfrm>
+      </p:grpSpPr>
+      <p:sp>
+        <p:nvSpPr>
+          <p:cNvPr id="25" name="Rectangle 24">
+            <a:extLst>
+              <a:ext uri="{FF2B5EF4-FFF2-40B4-BE49-F238E27FC236}">
+                <a16:creationId xmlns:a16="http://schemas.microsoft.com/office/drawing/2014/main" id="{97E683E7-4C7E-4173-8597-B85892D01539}"/>
+              </a:ext>
+              <a:ext uri="{C183D7F6-B498-43B3-948B-1728B52AA6E4}">
+                <adec:decorative xmlns:adec="http://schemas.microsoft.com/office/drawing/2017/decorative" val="1"/>
+              </a:ext>
+            </a:extLst>
+          </p:cNvPr>
+          <p:cNvSpPr>
+            <a:spLocks noGrp="1" noRot="1" noChangeAspect="1" noMove="1" noResize="1" noEditPoints="1" noAdjustHandles="1" noChangeArrowheads="1" noChangeShapeType="1" noTextEdit="1"/>
+          </p:cNvSpPr>
+          <p:nvPr>
+            <p:extLst>
+              <p:ext uri="{386F3935-93C4-4BCD-93E2-E3B085C9AB24}">
+                <p16:designElem xmlns:p16="http://schemas.microsoft.com/office/powerpoint/2015/main" val="1"/>
+              </p:ext>
+            </p:extLst>
+          </p:nvPr>
+        </p:nvSpPr>
+        <p:spPr>
+          <a:xfrm>
+            <a:off x="0" y="0"/>
+            <a:ext cx="12192000" cy="6858000"/>
+          </a:xfrm>
+          <a:prstGeom prst="rect">
+            <a:avLst/>
+          </a:prstGeom>
+          <a:solidFill>
+            <a:srgbClr val="099BDD"/>
+          </a:solidFill>
+          <a:ln>
+            <a:noFill/>
           </a:ln>
         </p:spPr>
         <p:style>
@@ -3639,35 +3886,46 @@
           <a:lstStyle/>
           <a:p>
             <a:pPr algn="ctr"/>
-            <a:endParaRPr lang="en-ZA"/>
-          </a:p>
-        </p:txBody>
-      </p:sp>
-      <p:sp>
-        <p:nvSpPr>
-          <p:cNvPr id="10" name="Rectangle 9">
+            <a:endParaRPr lang="en-US"/>
+          </a:p>
+        </p:txBody>
+      </p:sp>
+      <p:sp>
+        <p:nvSpPr>
+          <p:cNvPr id="27" name="Rectangle 26">
             <a:extLst>
               <a:ext uri="{FF2B5EF4-FFF2-40B4-BE49-F238E27FC236}">
-                <a16:creationId xmlns:a16="http://schemas.microsoft.com/office/drawing/2014/main" id="{395ECE70-BA2A-493F-BB26-7BCA88BCD3FA}"/>
+                <a16:creationId xmlns:a16="http://schemas.microsoft.com/office/drawing/2014/main" id="{D59973DA-A6EE-4188-B927-0531F1B0B051}"/>
+              </a:ext>
+              <a:ext uri="{C183D7F6-B498-43B3-948B-1728B52AA6E4}">
+                <adec:decorative xmlns:adec="http://schemas.microsoft.com/office/drawing/2017/decorative" val="1"/>
               </a:ext>
             </a:extLst>
           </p:cNvPr>
-          <p:cNvSpPr/>
-          <p:nvPr/>
+          <p:cNvSpPr>
+            <a:spLocks noGrp="1" noRot="1" noChangeAspect="1" noMove="1" noResize="1" noEditPoints="1" noAdjustHandles="1" noChangeArrowheads="1" noChangeShapeType="1" noTextEdit="1"/>
+          </p:cNvSpPr>
+          <p:nvPr>
+            <p:extLst>
+              <p:ext uri="{386F3935-93C4-4BCD-93E2-E3B085C9AB24}">
+                <p16:designElem xmlns:p16="http://schemas.microsoft.com/office/powerpoint/2015/main" val="1"/>
+              </p:ext>
+            </p:extLst>
+          </p:nvPr>
         </p:nvSpPr>
         <p:spPr>
           <a:xfrm>
-            <a:off x="1686185" y="4060184"/>
-            <a:ext cx="268447" cy="268447"/>
+            <a:off x="483" y="176109"/>
+            <a:ext cx="12188952" cy="6531436"/>
           </a:xfrm>
           <a:prstGeom prst="rect">
             <a:avLst/>
           </a:prstGeom>
-          <a:noFill/>
-          <a:ln w="38100">
-            <a:solidFill>
-              <a:srgbClr val="FF0000"/>
-            </a:solidFill>
+          <a:solidFill>
+            <a:schemeClr val="bg1"/>
+          </a:solidFill>
+          <a:ln>
+            <a:noFill/>
           </a:ln>
         </p:spPr>
         <p:style>
@@ -3686,40 +3944,141 @@
             <a:schemeClr val="lt1"/>
           </a:fontRef>
         </p:style>
-        <p:txBody>
-          <a:bodyPr rtlCol="0" anchor="ctr"/>
-          <a:lstStyle/>
-          <a:p>
-            <a:pPr algn="ctr"/>
-            <a:endParaRPr lang="en-ZA"/>
-          </a:p>
-        </p:txBody>
-      </p:sp>
-      <p:sp>
-        <p:nvSpPr>
-          <p:cNvPr id="11" name="Rectangle 10">
+      </p:sp>
+      <p:pic>
+        <p:nvPicPr>
+          <p:cNvPr id="6" name="Picture 5" descr="A picture containing game&#10;&#10;Description automatically generated">
             <a:extLst>
               <a:ext uri="{FF2B5EF4-FFF2-40B4-BE49-F238E27FC236}">
-                <a16:creationId xmlns:a16="http://schemas.microsoft.com/office/drawing/2014/main" id="{FE808387-1E58-4734-8DB2-6ED200A19E13}"/>
+                <a16:creationId xmlns:a16="http://schemas.microsoft.com/office/drawing/2014/main" id="{0DB42898-4C7D-4422-BACC-32F095C30304}"/>
               </a:ext>
             </a:extLst>
           </p:cNvPr>
-          <p:cNvSpPr/>
+          <p:cNvPicPr>
+            <a:picLocks noChangeAspect="1"/>
+          </p:cNvPicPr>
           <p:nvPr/>
-        </p:nvSpPr>
+        </p:nvPicPr>
+        <p:blipFill>
+          <a:blip r:embed="rId2"/>
+          <a:stretch>
+            <a:fillRect/>
+          </a:stretch>
+        </p:blipFill>
         <p:spPr>
           <a:xfrm>
-            <a:off x="1954632" y="4353711"/>
-            <a:ext cx="268447" cy="268447"/>
+            <a:off x="1444761" y="819576"/>
+            <a:ext cx="3526927" cy="5244501"/>
           </a:xfrm>
           <a:prstGeom prst="rect">
             <a:avLst/>
           </a:prstGeom>
-          <a:noFill/>
-          <a:ln w="38100">
-            <a:solidFill>
-              <a:srgbClr val="FF0000"/>
-            </a:solidFill>
+        </p:spPr>
+      </p:pic>
+      <p:pic>
+        <p:nvPicPr>
+          <p:cNvPr id="4" name="Picture 3" descr="A picture containing game&#10;&#10;Description automatically generated">
+            <a:extLst>
+              <a:ext uri="{FF2B5EF4-FFF2-40B4-BE49-F238E27FC236}">
+                <a16:creationId xmlns:a16="http://schemas.microsoft.com/office/drawing/2014/main" id="{560A1F4F-3765-4182-A359-119B9E704190}"/>
+              </a:ext>
+            </a:extLst>
+          </p:cNvPr>
+          <p:cNvPicPr>
+            <a:picLocks noChangeAspect="1"/>
+          </p:cNvPicPr>
+          <p:nvPr/>
+        </p:nvPicPr>
+        <p:blipFill>
+          <a:blip r:embed="rId3"/>
+          <a:stretch>
+            <a:fillRect/>
+          </a:stretch>
+        </p:blipFill>
+        <p:spPr>
+          <a:xfrm>
+            <a:off x="7197593" y="819576"/>
+            <a:ext cx="3566261" cy="5244501"/>
+          </a:xfrm>
+          <a:prstGeom prst="rect">
+            <a:avLst/>
+          </a:prstGeom>
+        </p:spPr>
+      </p:pic>
+    </p:spTree>
+    <p:extLst>
+      <p:ext uri="{BB962C8B-B14F-4D97-AF65-F5344CB8AC3E}">
+        <p14:creationId xmlns:p14="http://schemas.microsoft.com/office/powerpoint/2010/main" val="3125452583"/>
+      </p:ext>
+    </p:extLst>
+  </p:cSld>
+  <p:clrMapOvr>
+    <a:overrideClrMapping bg1="lt1" tx1="dk1" bg2="lt2" tx2="dk2" accent1="accent1" accent2="accent2" accent3="accent3" accent4="accent4" accent5="accent5" accent6="accent6" hlink="hlink" folHlink="folHlink"/>
+  </p:clrMapOvr>
+</p:sld>
+</file>
+
+<file path=ppt/slides/slide5.xml><?xml version="1.0" encoding="utf-8"?>
+<p:sld xmlns:a="http://schemas.openxmlformats.org/drawingml/2006/main" xmlns:r="http://schemas.openxmlformats.org/officeDocument/2006/relationships" xmlns:p="http://schemas.openxmlformats.org/presentationml/2006/main">
+  <p:cSld>
+    <p:bg>
+      <p:bgPr>
+        <a:solidFill>
+          <a:schemeClr val="bg2"/>
+        </a:solidFill>
+        <a:effectLst/>
+      </p:bgPr>
+    </p:bg>
+    <p:spTree>
+      <p:nvGrpSpPr>
+        <p:cNvPr id="1" name=""/>
+        <p:cNvGrpSpPr/>
+        <p:nvPr/>
+      </p:nvGrpSpPr>
+      <p:grpSpPr>
+        <a:xfrm>
+          <a:off x="0" y="0"/>
+          <a:ext cx="0" cy="0"/>
+          <a:chOff x="0" y="0"/>
+          <a:chExt cx="0" cy="0"/>
+        </a:xfrm>
+      </p:grpSpPr>
+      <p:sp>
+        <p:nvSpPr>
+          <p:cNvPr id="16" name="Rectangle 15">
+            <a:extLst>
+              <a:ext uri="{FF2B5EF4-FFF2-40B4-BE49-F238E27FC236}">
+                <a16:creationId xmlns:a16="http://schemas.microsoft.com/office/drawing/2014/main" id="{BC8BEAE2-C1C6-4677-A0EF-4C89EEB4ADE6}"/>
+              </a:ext>
+              <a:ext uri="{C183D7F6-B498-43B3-948B-1728B52AA6E4}">
+                <adec:decorative xmlns:adec="http://schemas.microsoft.com/office/drawing/2017/decorative" val="1"/>
+              </a:ext>
+            </a:extLst>
+          </p:cNvPr>
+          <p:cNvSpPr>
+            <a:spLocks noGrp="1" noRot="1" noChangeAspect="1" noMove="1" noResize="1" noEditPoints="1" noAdjustHandles="1" noChangeArrowheads="1" noChangeShapeType="1" noTextEdit="1"/>
+          </p:cNvSpPr>
+          <p:nvPr>
+            <p:extLst>
+              <p:ext uri="{386F3935-93C4-4BCD-93E2-E3B085C9AB24}">
+                <p16:designElem xmlns:p16="http://schemas.microsoft.com/office/powerpoint/2015/main" val="1"/>
+              </p:ext>
+            </p:extLst>
+          </p:nvPr>
+        </p:nvSpPr>
+        <p:spPr>
+          <a:xfrm>
+            <a:off x="483" y="176109"/>
+            <a:ext cx="12188952" cy="6531436"/>
+          </a:xfrm>
+          <a:prstGeom prst="rect">
+            <a:avLst/>
+          </a:prstGeom>
+          <a:solidFill>
+            <a:schemeClr val="tx1"/>
+          </a:solidFill>
+          <a:ln>
+            <a:noFill/>
           </a:ln>
         </p:spPr>
         <p:style>
@@ -3738,46 +4097,173 @@
             <a:schemeClr val="lt1"/>
           </a:fontRef>
         </p:style>
-        <p:txBody>
-          <a:bodyPr rtlCol="0" anchor="ctr"/>
-          <a:lstStyle/>
-          <a:p>
-            <a:pPr algn="ctr"/>
-            <a:endParaRPr lang="en-ZA"/>
-          </a:p>
-        </p:txBody>
-      </p:sp>
-      <p:sp>
-        <p:nvSpPr>
-          <p:cNvPr id="15" name="Arrow: Quad 14">
+      </p:sp>
+      <p:grpSp>
+        <p:nvGrpSpPr>
+          <p:cNvPr id="2" name="Group 1">
             <a:extLst>
               <a:ext uri="{FF2B5EF4-FFF2-40B4-BE49-F238E27FC236}">
-                <a16:creationId xmlns:a16="http://schemas.microsoft.com/office/drawing/2014/main" id="{947DCDAD-726F-4EB8-85CC-D2B67B3C1483}"/>
+                <a16:creationId xmlns:a16="http://schemas.microsoft.com/office/drawing/2014/main" id="{39600B12-ACA3-4CC8-958B-9E24255DD676}"/>
               </a:ext>
             </a:extLst>
           </p:cNvPr>
-          <p:cNvSpPr/>
+          <p:cNvGrpSpPr/>
           <p:nvPr/>
+        </p:nvGrpSpPr>
+        <p:grpSpPr>
+          <a:xfrm>
+            <a:off x="4311586" y="819576"/>
+            <a:ext cx="3566261" cy="5244501"/>
+            <a:chOff x="7197593" y="819576"/>
+            <a:chExt cx="3566261" cy="5244501"/>
+          </a:xfrm>
+        </p:grpSpPr>
+        <p:pic>
+          <p:nvPicPr>
+            <p:cNvPr id="4" name="Picture 3" descr="A picture containing game&#10;&#10;Description automatically generated">
+              <a:extLst>
+                <a:ext uri="{FF2B5EF4-FFF2-40B4-BE49-F238E27FC236}">
+                  <a16:creationId xmlns:a16="http://schemas.microsoft.com/office/drawing/2014/main" id="{560A1F4F-3765-4182-A359-119B9E704190}"/>
+                </a:ext>
+              </a:extLst>
+            </p:cNvPr>
+            <p:cNvPicPr>
+              <a:picLocks noChangeAspect="1"/>
+            </p:cNvPicPr>
+            <p:nvPr/>
+          </p:nvPicPr>
+          <p:blipFill>
+            <a:blip r:embed="rId2"/>
+            <a:stretch>
+              <a:fillRect/>
+            </a:stretch>
+          </p:blipFill>
+          <p:spPr>
+            <a:xfrm>
+              <a:off x="7197593" y="819576"/>
+              <a:ext cx="3566261" cy="5244501"/>
+            </a:xfrm>
+            <a:prstGeom prst="rect">
+              <a:avLst/>
+            </a:prstGeom>
+          </p:spPr>
+        </p:pic>
+        <p:pic>
+          <p:nvPicPr>
+            <p:cNvPr id="6" name="Picture 5" descr="A picture containing game&#10;&#10;Description automatically generated">
+              <a:extLst>
+                <a:ext uri="{FF2B5EF4-FFF2-40B4-BE49-F238E27FC236}">
+                  <a16:creationId xmlns:a16="http://schemas.microsoft.com/office/drawing/2014/main" id="{0DB42898-4C7D-4422-BACC-32F095C30304}"/>
+                </a:ext>
+              </a:extLst>
+            </p:cNvPr>
+            <p:cNvPicPr>
+              <a:picLocks noChangeAspect="1"/>
+            </p:cNvPicPr>
+            <p:nvPr/>
+          </p:nvPicPr>
+          <p:blipFill>
+            <a:blip r:embed="rId3">
+              <a:clrChange>
+                <a:clrFrom>
+                  <a:srgbClr val="FFFFFF"/>
+                </a:clrFrom>
+                <a:clrTo>
+                  <a:srgbClr val="FFFFFF">
+                    <a:alpha val="0"/>
+                  </a:srgbClr>
+                </a:clrTo>
+              </a:clrChange>
+            </a:blip>
+            <a:stretch>
+              <a:fillRect/>
+            </a:stretch>
+          </p:blipFill>
+          <p:spPr>
+            <a:xfrm>
+              <a:off x="7217259" y="819576"/>
+              <a:ext cx="3526927" cy="5244501"/>
+            </a:xfrm>
+            <a:prstGeom prst="rect">
+              <a:avLst/>
+            </a:prstGeom>
+          </p:spPr>
+        </p:pic>
+      </p:grpSp>
+    </p:spTree>
+    <p:extLst>
+      <p:ext uri="{BB962C8B-B14F-4D97-AF65-F5344CB8AC3E}">
+        <p14:creationId xmlns:p14="http://schemas.microsoft.com/office/powerpoint/2010/main" val="3438291935"/>
+      </p:ext>
+    </p:extLst>
+  </p:cSld>
+  <p:clrMapOvr>
+    <a:masterClrMapping/>
+  </p:clrMapOvr>
+</p:sld>
+</file>
+
+<file path=ppt/slides/slide6.xml><?xml version="1.0" encoding="utf-8"?>
+<p:sld xmlns:a="http://schemas.openxmlformats.org/drawingml/2006/main" xmlns:r="http://schemas.openxmlformats.org/officeDocument/2006/relationships" xmlns:p="http://schemas.openxmlformats.org/presentationml/2006/main">
+  <p:cSld>
+    <p:bg>
+      <p:bgPr>
+        <a:solidFill>
+          <a:schemeClr val="bg1"/>
+        </a:solidFill>
+        <a:effectLst/>
+      </p:bgPr>
+    </p:bg>
+    <p:spTree>
+      <p:nvGrpSpPr>
+        <p:cNvPr id="1" name=""/>
+        <p:cNvGrpSpPr/>
+        <p:nvPr/>
+      </p:nvGrpSpPr>
+      <p:grpSpPr>
+        <a:xfrm>
+          <a:off x="0" y="0"/>
+          <a:ext cx="0" cy="0"/>
+          <a:chOff x="0" y="0"/>
+          <a:chExt cx="0" cy="0"/>
+        </a:xfrm>
+      </p:grpSpPr>
+      <p:sp>
+        <p:nvSpPr>
+          <p:cNvPr id="18" name="Rectangle 17">
+            <a:extLst>
+              <a:ext uri="{FF2B5EF4-FFF2-40B4-BE49-F238E27FC236}">
+                <a16:creationId xmlns:a16="http://schemas.microsoft.com/office/drawing/2014/main" id="{8B7E6890-8DD2-4D44-874C-838530501DE3}"/>
+              </a:ext>
+              <a:ext uri="{C183D7F6-B498-43B3-948B-1728B52AA6E4}">
+                <adec:decorative xmlns:adec="http://schemas.microsoft.com/office/drawing/2017/decorative" val="1"/>
+              </a:ext>
+            </a:extLst>
+          </p:cNvPr>
+          <p:cNvSpPr>
+            <a:spLocks noGrp="1" noRot="1" noChangeAspect="1" noMove="1" noResize="1" noEditPoints="1" noAdjustHandles="1" noChangeArrowheads="1" noChangeShapeType="1" noTextEdit="1"/>
+          </p:cNvSpPr>
+          <p:nvPr>
+            <p:extLst>
+              <p:ext uri="{386F3935-93C4-4BCD-93E2-E3B085C9AB24}">
+                <p16:designElem xmlns:p16="http://schemas.microsoft.com/office/powerpoint/2015/main" val="1"/>
+              </p:ext>
+            </p:extLst>
+          </p:nvPr>
         </p:nvSpPr>
         <p:spPr>
           <a:xfrm>
-            <a:off x="3775529" y="3947057"/>
-            <a:ext cx="494699" cy="494699"/>
+            <a:off x="0" y="0"/>
+            <a:ext cx="12189435" cy="6858000"/>
           </a:xfrm>
-          <a:prstGeom prst="quadArrow">
-            <a:avLst>
-              <a:gd name="adj1" fmla="val 0"/>
-              <a:gd name="adj2" fmla="val 3875"/>
-              <a:gd name="adj3" fmla="val 5945"/>
-            </a:avLst>
+          <a:prstGeom prst="rect">
+            <a:avLst/>
           </a:prstGeom>
           <a:solidFill>
-            <a:srgbClr val="FF0000"/>
+            <a:schemeClr val="tx2"/>
           </a:solidFill>
-          <a:ln w="38100">
-            <a:solidFill>
-              <a:srgbClr val="FF0000"/>
-            </a:solidFill>
+          <a:ln>
+            <a:noFill/>
           </a:ln>
         </p:spPr>
         <p:style>
@@ -3801,16 +4287,71 @@
           <a:lstStyle/>
           <a:p>
             <a:pPr algn="ctr"/>
-            <a:endParaRPr lang="en-ZA"/>
-          </a:p>
-        </p:txBody>
+            <a:endParaRPr lang="en-US"/>
+          </a:p>
+        </p:txBody>
+      </p:sp>
+      <p:sp>
+        <p:nvSpPr>
+          <p:cNvPr id="20" name="Rectangle 19">
+            <a:extLst>
+              <a:ext uri="{FF2B5EF4-FFF2-40B4-BE49-F238E27FC236}">
+                <a16:creationId xmlns:a16="http://schemas.microsoft.com/office/drawing/2014/main" id="{8DBF3D54-7EA8-44DB-83D0-30EBC904CF85}"/>
+              </a:ext>
+              <a:ext uri="{C183D7F6-B498-43B3-948B-1728B52AA6E4}">
+                <adec:decorative xmlns:adec="http://schemas.microsoft.com/office/drawing/2017/decorative" val="1"/>
+              </a:ext>
+            </a:extLst>
+          </p:cNvPr>
+          <p:cNvSpPr>
+            <a:spLocks noGrp="1" noRot="1" noChangeAspect="1" noMove="1" noResize="1" noEditPoints="1" noAdjustHandles="1" noChangeArrowheads="1" noChangeShapeType="1" noTextEdit="1"/>
+          </p:cNvSpPr>
+          <p:nvPr>
+            <p:extLst>
+              <p:ext uri="{386F3935-93C4-4BCD-93E2-E3B085C9AB24}">
+                <p16:designElem xmlns:p16="http://schemas.microsoft.com/office/powerpoint/2015/main" val="1"/>
+              </p:ext>
+            </p:extLst>
+          </p:nvPr>
+        </p:nvSpPr>
+        <p:spPr>
+          <a:xfrm>
+            <a:off x="483" y="176109"/>
+            <a:ext cx="12188952" cy="6531436"/>
+          </a:xfrm>
+          <a:prstGeom prst="rect">
+            <a:avLst/>
+          </a:prstGeom>
+          <a:solidFill>
+            <a:schemeClr val="bg1"/>
+          </a:solidFill>
+          <a:ln>
+            <a:noFill/>
+          </a:ln>
+        </p:spPr>
+        <p:style>
+          <a:lnRef idx="2">
+            <a:schemeClr val="accent1">
+              <a:shade val="50000"/>
+            </a:schemeClr>
+          </a:lnRef>
+          <a:fillRef idx="1">
+            <a:schemeClr val="accent1"/>
+          </a:fillRef>
+          <a:effectRef idx="0">
+            <a:schemeClr val="accent1"/>
+          </a:effectRef>
+          <a:fontRef idx="minor">
+            <a:schemeClr val="lt1"/>
+          </a:fontRef>
+        </p:style>
       </p:sp>
       <p:pic>
         <p:nvPicPr>
-          <p:cNvPr id="16" name="Picture 15">
+          <p:cNvPr id="5" name="Picture 4">
             <a:extLst>
               <a:ext uri="{FF2B5EF4-FFF2-40B4-BE49-F238E27FC236}">
-                <a16:creationId xmlns:a16="http://schemas.microsoft.com/office/drawing/2014/main" id="{7CB42D10-476F-457A-A6E3-655631C754FF}"/>
+                <a16:creationId xmlns:a16="http://schemas.microsoft.com/office/drawing/2014/main" id="{4BCB0E2C-9496-4566-AFF6-7864D81D13A3}"/>
               </a:ext>
             </a:extLst>
           </p:cNvPr>
@@ -3819,16 +4360,44 @@
           </p:cNvPicPr>
           <p:nvPr/>
         </p:nvPicPr>
-        <p:blipFill>
-          <a:blip r:embed="rId3"/>
-          <a:stretch>
-            <a:fillRect/>
-          </a:stretch>
+        <p:blipFill rotWithShape="1">
+          <a:blip r:embed="rId2"/>
+          <a:srcRect l="1171" r="2" b="2"/>
+          <a:stretch/>
         </p:blipFill>
         <p:spPr>
           <a:xfrm>
-            <a:off x="5858045" y="2192890"/>
-            <a:ext cx="5128954" cy="4271482"/>
+            <a:off x="643466" y="819576"/>
+            <a:ext cx="5371059" cy="5244501"/>
+          </a:xfrm>
+          <a:prstGeom prst="rect">
+            <a:avLst/>
+          </a:prstGeom>
+        </p:spPr>
+      </p:pic>
+      <p:pic>
+        <p:nvPicPr>
+          <p:cNvPr id="6" name="Picture 5" descr="A close up of a map&#10;&#10;Description automatically generated">
+            <a:extLst>
+              <a:ext uri="{FF2B5EF4-FFF2-40B4-BE49-F238E27FC236}">
+                <a16:creationId xmlns:a16="http://schemas.microsoft.com/office/drawing/2014/main" id="{4473D352-3BFE-43F7-A8E9-C25EB9C478B8}"/>
+              </a:ext>
+            </a:extLst>
+          </p:cNvPr>
+          <p:cNvPicPr>
+            <a:picLocks noChangeAspect="1"/>
+          </p:cNvPicPr>
+          <p:nvPr/>
+        </p:nvPicPr>
+        <p:blipFill rotWithShape="1">
+          <a:blip r:embed="rId3"/>
+          <a:srcRect l="277" r="393" b="2"/>
+          <a:stretch/>
+        </p:blipFill>
+        <p:spPr>
+          <a:xfrm>
+            <a:off x="6175392" y="819576"/>
+            <a:ext cx="5370573" cy="5244501"/>
           </a:xfrm>
           <a:prstGeom prst="rect">
             <a:avLst/>
@@ -3838,19 +4407,27 @@
     </p:spTree>
     <p:extLst>
       <p:ext uri="{BB962C8B-B14F-4D97-AF65-F5344CB8AC3E}">
-        <p14:creationId xmlns:p14="http://schemas.microsoft.com/office/powerpoint/2010/main" val="2871063255"/>
+        <p14:creationId xmlns:p14="http://schemas.microsoft.com/office/powerpoint/2010/main" val="967745346"/>
       </p:ext>
     </p:extLst>
   </p:cSld>
   <p:clrMapOvr>
-    <a:masterClrMapping/>
+    <a:overrideClrMapping bg1="lt1" tx1="dk1" bg2="lt2" tx2="dk2" accent1="accent1" accent2="accent2" accent3="accent3" accent4="accent4" accent5="accent5" accent6="accent6" hlink="hlink" folHlink="folHlink"/>
   </p:clrMapOvr>
 </p:sld>
 </file>
 
-<file path=ppt/slides/slide3.xml><?xml version="1.0" encoding="utf-8"?>
+<file path=ppt/slides/slide7.xml><?xml version="1.0" encoding="utf-8"?>
 <p:sld xmlns:a="http://schemas.openxmlformats.org/drawingml/2006/main" xmlns:r="http://schemas.openxmlformats.org/officeDocument/2006/relationships" xmlns:p="http://schemas.openxmlformats.org/presentationml/2006/main">
   <p:cSld>
+    <p:bg>
+      <p:bgPr>
+        <a:solidFill>
+          <a:schemeClr val="bg2"/>
+        </a:solidFill>
+        <a:effectLst/>
+      </p:bgPr>
+    </p:bg>
     <p:spTree>
       <p:nvGrpSpPr>
         <p:cNvPr id="1" name=""/>
@@ -3867,108 +4444,95 @@
       </p:grpSpPr>
       <p:sp>
         <p:nvSpPr>
-          <p:cNvPr id="2" name="Title 1">
+          <p:cNvPr id="9" name="Rectangle 8">
             <a:extLst>
               <a:ext uri="{FF2B5EF4-FFF2-40B4-BE49-F238E27FC236}">
-                <a16:creationId xmlns:a16="http://schemas.microsoft.com/office/drawing/2014/main" id="{CF50B14B-9282-4062-B08F-21D5A6C4AB1D}"/>
+                <a16:creationId xmlns:a16="http://schemas.microsoft.com/office/drawing/2014/main" id="{BC8BEAE2-C1C6-4677-A0EF-4C89EEB4ADE6}"/>
+              </a:ext>
+              <a:ext uri="{C183D7F6-B498-43B3-948B-1728B52AA6E4}">
+                <adec:decorative xmlns:adec="http://schemas.microsoft.com/office/drawing/2017/decorative" val="1"/>
               </a:ext>
             </a:extLst>
           </p:cNvPr>
           <p:cNvSpPr>
-            <a:spLocks noGrp="1"/>
-          </p:cNvSpPr>
-          <p:nvPr>
-            <p:ph type="title"/>
-          </p:nvPr>
-        </p:nvSpPr>
-        <p:spPr/>
-        <p:txBody>
-          <a:bodyPr/>
-          <a:lstStyle/>
-          <a:p>
-            <a:r>
-              <a:rPr lang="en-US" dirty="0"/>
-              <a:t>Code</a:t>
-            </a:r>
-            <a:endParaRPr lang="en-ZA" dirty="0"/>
-          </a:p>
-        </p:txBody>
-      </p:sp>
-      <p:sp>
-        <p:nvSpPr>
-          <p:cNvPr id="3" name="Content Placeholder 2">
+            <a:spLocks noGrp="1" noRot="1" noChangeAspect="1" noMove="1" noResize="1" noEditPoints="1" noAdjustHandles="1" noChangeArrowheads="1" noChangeShapeType="1" noTextEdit="1"/>
+          </p:cNvSpPr>
+          <p:nvPr>
+            <p:extLst>
+              <p:ext uri="{386F3935-93C4-4BCD-93E2-E3B085C9AB24}">
+                <p16:designElem xmlns:p16="http://schemas.microsoft.com/office/powerpoint/2015/main" val="1"/>
+              </p:ext>
+            </p:extLst>
+          </p:nvPr>
+        </p:nvSpPr>
+        <p:spPr>
+          <a:xfrm>
+            <a:off x="483" y="176109"/>
+            <a:ext cx="12188952" cy="6531436"/>
+          </a:xfrm>
+          <a:prstGeom prst="rect">
+            <a:avLst/>
+          </a:prstGeom>
+          <a:solidFill>
+            <a:schemeClr val="tx1"/>
+          </a:solidFill>
+          <a:ln>
+            <a:noFill/>
+          </a:ln>
+        </p:spPr>
+        <p:style>
+          <a:lnRef idx="2">
+            <a:schemeClr val="accent1">
+              <a:shade val="50000"/>
+            </a:schemeClr>
+          </a:lnRef>
+          <a:fillRef idx="1">
+            <a:schemeClr val="accent1"/>
+          </a:fillRef>
+          <a:effectRef idx="0">
+            <a:schemeClr val="accent1"/>
+          </a:effectRef>
+          <a:fontRef idx="minor">
+            <a:schemeClr val="lt1"/>
+          </a:fontRef>
+        </p:style>
+      </p:sp>
+      <p:pic>
+        <p:nvPicPr>
+          <p:cNvPr id="4" name="Content Placeholder 3">
             <a:extLst>
               <a:ext uri="{FF2B5EF4-FFF2-40B4-BE49-F238E27FC236}">
-                <a16:creationId xmlns:a16="http://schemas.microsoft.com/office/drawing/2014/main" id="{3B389FB7-C91E-4DEF-81F6-3F62D558B210}"/>
+                <a16:creationId xmlns:a16="http://schemas.microsoft.com/office/drawing/2014/main" id="{9BABB238-B6F2-42F8-A8E7-F11DA9C0AE96}"/>
               </a:ext>
             </a:extLst>
           </p:cNvPr>
-          <p:cNvSpPr>
-            <a:spLocks noGrp="1"/>
-          </p:cNvSpPr>
+          <p:cNvPicPr>
+            <a:picLocks noGrp="1" noChangeAspect="1"/>
+          </p:cNvPicPr>
           <p:nvPr>
             <p:ph idx="1"/>
           </p:nvPr>
-        </p:nvSpPr>
-        <p:spPr/>
-        <p:txBody>
-          <a:bodyPr/>
-          <a:lstStyle/>
-          <a:p>
-            <a:r>
-              <a:rPr lang="en-US" dirty="0"/>
-              <a:t>Unit selection</a:t>
-            </a:r>
-          </a:p>
-          <a:p>
-            <a:pPr lvl="1"/>
-            <a:r>
-              <a:rPr lang="en-US" dirty="0"/>
-              <a:t>pandas </a:t>
-            </a:r>
-            <a:r>
-              <a:rPr lang="en-US" dirty="0" err="1"/>
-              <a:t>dataframe</a:t>
-            </a:r>
-            <a:endParaRPr lang="en-US" dirty="0"/>
-          </a:p>
-          <a:p>
-            <a:pPr lvl="2"/>
-            <a:r>
-              <a:rPr lang="en-US" dirty="0"/>
-              <a:t>Sort according to selection criteria</a:t>
-            </a:r>
-          </a:p>
-          <a:p>
-            <a:pPr lvl="2"/>
-            <a:r>
-              <a:rPr lang="en-US" dirty="0"/>
-              <a:t>Select n best units</a:t>
-            </a:r>
-          </a:p>
-          <a:p>
-            <a:r>
-              <a:rPr lang="en-US" dirty="0"/>
-              <a:t>Size determination</a:t>
-            </a:r>
-          </a:p>
-          <a:p>
-            <a:pPr lvl="1"/>
-            <a:r>
-              <a:rPr lang="en-US" dirty="0"/>
-              <a:t>Best size for units?</a:t>
-            </a:r>
-          </a:p>
-          <a:p>
-            <a:pPr lvl="1"/>
-            <a:endParaRPr lang="en-ZA" dirty="0"/>
-          </a:p>
-        </p:txBody>
-      </p:sp>
+        </p:nvPicPr>
+        <p:blipFill>
+          <a:blip r:embed="rId2"/>
+          <a:stretch>
+            <a:fillRect/>
+          </a:stretch>
+        </p:blipFill>
+        <p:spPr>
+          <a:xfrm>
+            <a:off x="2944866" y="819576"/>
+            <a:ext cx="6299700" cy="5244501"/>
+          </a:xfrm>
+          <a:prstGeom prst="rect">
+            <a:avLst/>
+          </a:prstGeom>
+        </p:spPr>
+      </p:pic>
     </p:spTree>
     <p:extLst>
       <p:ext uri="{BB962C8B-B14F-4D97-AF65-F5344CB8AC3E}">
-        <p14:creationId xmlns:p14="http://schemas.microsoft.com/office/powerpoint/2010/main" val="887925386"/>
+        <p14:creationId xmlns:p14="http://schemas.microsoft.com/office/powerpoint/2010/main" val="3765767095"/>
       </p:ext>
     </p:extLst>
   </p:cSld>
@@ -3978,9 +4542,17 @@
 </p:sld>
 </file>
 
-<file path=ppt/slides/slide4.xml><?xml version="1.0" encoding="utf-8"?>
+<file path=ppt/slides/slide8.xml><?xml version="1.0" encoding="utf-8"?>
 <p:sld xmlns:a="http://schemas.openxmlformats.org/drawingml/2006/main" xmlns:r="http://schemas.openxmlformats.org/officeDocument/2006/relationships" xmlns:p="http://schemas.openxmlformats.org/presentationml/2006/main">
   <p:cSld>
+    <p:bg>
+      <p:bgPr>
+        <a:solidFill>
+          <a:schemeClr val="bg2"/>
+        </a:solidFill>
+        <a:effectLst/>
+      </p:bgPr>
+    </p:bg>
     <p:spTree>
       <p:nvGrpSpPr>
         <p:cNvPr id="1" name=""/>
@@ -3997,115 +4569,95 @@
       </p:grpSpPr>
       <p:sp>
         <p:nvSpPr>
-          <p:cNvPr id="2" name="Title 1">
+          <p:cNvPr id="10" name="Rectangle 9">
             <a:extLst>
               <a:ext uri="{FF2B5EF4-FFF2-40B4-BE49-F238E27FC236}">
-                <a16:creationId xmlns:a16="http://schemas.microsoft.com/office/drawing/2014/main" id="{D6FBF083-D4D2-492D-86A7-B3A6405EA0B9}"/>
+                <a16:creationId xmlns:a16="http://schemas.microsoft.com/office/drawing/2014/main" id="{BC8BEAE2-C1C6-4677-A0EF-4C89EEB4ADE6}"/>
+              </a:ext>
+              <a:ext uri="{C183D7F6-B498-43B3-948B-1728B52AA6E4}">
+                <adec:decorative xmlns:adec="http://schemas.microsoft.com/office/drawing/2017/decorative" val="1"/>
               </a:ext>
             </a:extLst>
           </p:cNvPr>
           <p:cNvSpPr>
-            <a:spLocks noGrp="1"/>
-          </p:cNvSpPr>
-          <p:nvPr>
-            <p:ph type="title"/>
-          </p:nvPr>
-        </p:nvSpPr>
-        <p:spPr/>
-        <p:txBody>
-          <a:bodyPr/>
-          <a:lstStyle/>
-          <a:p>
-            <a:r>
-              <a:rPr lang="en-US" dirty="0"/>
-              <a:t>Issues</a:t>
-            </a:r>
-            <a:endParaRPr lang="en-ZA" dirty="0"/>
-          </a:p>
-        </p:txBody>
-      </p:sp>
-      <p:sp>
-        <p:nvSpPr>
-          <p:cNvPr id="3" name="Content Placeholder 2">
+            <a:spLocks noGrp="1" noRot="1" noChangeAspect="1" noMove="1" noResize="1" noEditPoints="1" noAdjustHandles="1" noChangeArrowheads="1" noChangeShapeType="1" noTextEdit="1"/>
+          </p:cNvSpPr>
+          <p:nvPr>
+            <p:extLst>
+              <p:ext uri="{386F3935-93C4-4BCD-93E2-E3B085C9AB24}">
+                <p16:designElem xmlns:p16="http://schemas.microsoft.com/office/powerpoint/2015/main" val="1"/>
+              </p:ext>
+            </p:extLst>
+          </p:nvPr>
+        </p:nvSpPr>
+        <p:spPr>
+          <a:xfrm>
+            <a:off x="483" y="176109"/>
+            <a:ext cx="12188952" cy="6531436"/>
+          </a:xfrm>
+          <a:prstGeom prst="rect">
+            <a:avLst/>
+          </a:prstGeom>
+          <a:solidFill>
+            <a:schemeClr val="tx1"/>
+          </a:solidFill>
+          <a:ln>
+            <a:noFill/>
+          </a:ln>
+        </p:spPr>
+        <p:style>
+          <a:lnRef idx="2">
+            <a:schemeClr val="accent1">
+              <a:shade val="50000"/>
+            </a:schemeClr>
+          </a:lnRef>
+          <a:fillRef idx="1">
+            <a:schemeClr val="accent1"/>
+          </a:fillRef>
+          <a:effectRef idx="0">
+            <a:schemeClr val="accent1"/>
+          </a:effectRef>
+          <a:fontRef idx="minor">
+            <a:schemeClr val="lt1"/>
+          </a:fontRef>
+        </p:style>
+      </p:sp>
+      <p:pic>
+        <p:nvPicPr>
+          <p:cNvPr id="5" name="Content Placeholder 4">
             <a:extLst>
               <a:ext uri="{FF2B5EF4-FFF2-40B4-BE49-F238E27FC236}">
-                <a16:creationId xmlns:a16="http://schemas.microsoft.com/office/drawing/2014/main" id="{62BD7768-ED4D-44DB-88F1-A3B33FDF50DD}"/>
+                <a16:creationId xmlns:a16="http://schemas.microsoft.com/office/drawing/2014/main" id="{FD64AF8D-3314-4F0E-B2CE-184266696D0B}"/>
               </a:ext>
             </a:extLst>
           </p:cNvPr>
-          <p:cNvSpPr>
-            <a:spLocks noGrp="1"/>
-          </p:cNvSpPr>
+          <p:cNvPicPr>
+            <a:picLocks noGrp="1" noChangeAspect="1"/>
+          </p:cNvPicPr>
           <p:nvPr>
             <p:ph idx="1"/>
           </p:nvPr>
-        </p:nvSpPr>
-        <p:spPr/>
-        <p:txBody>
-          <a:bodyPr/>
-          <a:lstStyle/>
-          <a:p>
-            <a:r>
-              <a:rPr lang="en-US" dirty="0"/>
-              <a:t>Network issues</a:t>
-            </a:r>
-          </a:p>
-          <a:p>
-            <a:pPr lvl="1"/>
-            <a:r>
-              <a:rPr lang="en-US" dirty="0"/>
-              <a:t>Encounter many network timeouts while VPN connected</a:t>
-            </a:r>
-          </a:p>
-          <a:p>
-            <a:pPr lvl="2"/>
-            <a:r>
-              <a:rPr lang="en-US" dirty="0"/>
-              <a:t>Occasionally </a:t>
-            </a:r>
-            <a:r>
-              <a:rPr lang="en-US" dirty="0" err="1"/>
-              <a:t>MarcMentat</a:t>
-            </a:r>
-            <a:r>
-              <a:rPr lang="en-US" dirty="0"/>
-              <a:t> won’t open</a:t>
-            </a:r>
-          </a:p>
-          <a:p>
-            <a:pPr lvl="1"/>
-            <a:r>
-              <a:rPr lang="en-US" dirty="0"/>
-              <a:t>Slow network may be reason for simulation runtime</a:t>
-            </a:r>
-          </a:p>
-          <a:p>
-            <a:pPr lvl="2"/>
-            <a:r>
-              <a:rPr lang="en-US" dirty="0"/>
-              <a:t>SSD did not massively improve runtime (18-23s)</a:t>
-            </a:r>
-          </a:p>
-          <a:p>
-            <a:pPr lvl="2"/>
-            <a:r>
-              <a:rPr lang="en-US" dirty="0"/>
-              <a:t>Runtime massively increases when network is slow (60-80s)</a:t>
-            </a:r>
-          </a:p>
-          <a:p>
-            <a:r>
-              <a:rPr lang="en-US" dirty="0"/>
-              <a:t>Alternatively, incorrect/inefficient setup</a:t>
-            </a:r>
-            <a:endParaRPr lang="en-ZA" dirty="0"/>
-          </a:p>
-        </p:txBody>
-      </p:sp>
+        </p:nvPicPr>
+        <p:blipFill>
+          <a:blip r:embed="rId2"/>
+          <a:stretch>
+            <a:fillRect/>
+          </a:stretch>
+        </p:blipFill>
+        <p:spPr>
+          <a:xfrm>
+            <a:off x="4324697" y="819576"/>
+            <a:ext cx="3540038" cy="5244501"/>
+          </a:xfrm>
+          <a:prstGeom prst="rect">
+            <a:avLst/>
+          </a:prstGeom>
+        </p:spPr>
+      </p:pic>
     </p:spTree>
     <p:extLst>
       <p:ext uri="{BB962C8B-B14F-4D97-AF65-F5344CB8AC3E}">
-        <p14:creationId xmlns:p14="http://schemas.microsoft.com/office/powerpoint/2010/main" val="4136777613"/>
+        <p14:creationId xmlns:p14="http://schemas.microsoft.com/office/powerpoint/2010/main" val="415918173"/>
       </p:ext>
     </p:extLst>
   </p:cSld>
@@ -4115,9 +4667,17 @@
 </p:sld>
 </file>
 
-<file path=ppt/slides/slide5.xml><?xml version="1.0" encoding="utf-8"?>
+<file path=ppt/slides/slide9.xml><?xml version="1.0" encoding="utf-8"?>
 <p:sld xmlns:a="http://schemas.openxmlformats.org/drawingml/2006/main" xmlns:r="http://schemas.openxmlformats.org/officeDocument/2006/relationships" xmlns:p="http://schemas.openxmlformats.org/presentationml/2006/main">
   <p:cSld>
+    <p:bg>
+      <p:bgPr>
+        <a:solidFill>
+          <a:schemeClr val="bg2"/>
+        </a:solidFill>
+        <a:effectLst/>
+      </p:bgPr>
+    </p:bg>
     <p:spTree>
       <p:nvGrpSpPr>
         <p:cNvPr id="1" name=""/>
@@ -4134,80 +4694,95 @@
       </p:grpSpPr>
       <p:sp>
         <p:nvSpPr>
-          <p:cNvPr id="2" name="Title 1">
+          <p:cNvPr id="11" name="Rectangle 8">
             <a:extLst>
               <a:ext uri="{FF2B5EF4-FFF2-40B4-BE49-F238E27FC236}">
-                <a16:creationId xmlns:a16="http://schemas.microsoft.com/office/drawing/2014/main" id="{0EABA01D-34EA-41A6-9528-E8242B3854C1}"/>
+                <a16:creationId xmlns:a16="http://schemas.microsoft.com/office/drawing/2014/main" id="{BC8BEAE2-C1C6-4677-A0EF-4C89EEB4ADE6}"/>
+              </a:ext>
+              <a:ext uri="{C183D7F6-B498-43B3-948B-1728B52AA6E4}">
+                <adec:decorative xmlns:adec="http://schemas.microsoft.com/office/drawing/2017/decorative" val="1"/>
               </a:ext>
             </a:extLst>
           </p:cNvPr>
           <p:cNvSpPr>
-            <a:spLocks noGrp="1"/>
-          </p:cNvSpPr>
-          <p:nvPr>
-            <p:ph type="title"/>
-          </p:nvPr>
-        </p:nvSpPr>
-        <p:spPr/>
-        <p:txBody>
-          <a:bodyPr/>
-          <a:lstStyle/>
-          <a:p>
-            <a:r>
-              <a:rPr lang="en-US" dirty="0"/>
-              <a:t>Admin</a:t>
-            </a:r>
-            <a:endParaRPr lang="en-ZA" dirty="0"/>
-          </a:p>
-        </p:txBody>
-      </p:sp>
-      <p:sp>
-        <p:nvSpPr>
-          <p:cNvPr id="3" name="Content Placeholder 2">
+            <a:spLocks noGrp="1" noRot="1" noChangeAspect="1" noMove="1" noResize="1" noEditPoints="1" noAdjustHandles="1" noChangeArrowheads="1" noChangeShapeType="1" noTextEdit="1"/>
+          </p:cNvSpPr>
+          <p:nvPr>
+            <p:extLst>
+              <p:ext uri="{386F3935-93C4-4BCD-93E2-E3B085C9AB24}">
+                <p16:designElem xmlns:p16="http://schemas.microsoft.com/office/powerpoint/2015/main" val="1"/>
+              </p:ext>
+            </p:extLst>
+          </p:nvPr>
+        </p:nvSpPr>
+        <p:spPr>
+          <a:xfrm>
+            <a:off x="483" y="176109"/>
+            <a:ext cx="12188952" cy="6531436"/>
+          </a:xfrm>
+          <a:prstGeom prst="rect">
+            <a:avLst/>
+          </a:prstGeom>
+          <a:solidFill>
+            <a:schemeClr val="tx1"/>
+          </a:solidFill>
+          <a:ln>
+            <a:noFill/>
+          </a:ln>
+        </p:spPr>
+        <p:style>
+          <a:lnRef idx="2">
+            <a:schemeClr val="accent1">
+              <a:shade val="50000"/>
+            </a:schemeClr>
+          </a:lnRef>
+          <a:fillRef idx="1">
+            <a:schemeClr val="accent1"/>
+          </a:fillRef>
+          <a:effectRef idx="0">
+            <a:schemeClr val="accent1"/>
+          </a:effectRef>
+          <a:fontRef idx="minor">
+            <a:schemeClr val="lt1"/>
+          </a:fontRef>
+        </p:style>
+      </p:sp>
+      <p:pic>
+        <p:nvPicPr>
+          <p:cNvPr id="4" name="Content Placeholder 3">
             <a:extLst>
               <a:ext uri="{FF2B5EF4-FFF2-40B4-BE49-F238E27FC236}">
-                <a16:creationId xmlns:a16="http://schemas.microsoft.com/office/drawing/2014/main" id="{6194F00C-2E42-4AC6-A421-9B71FBBBA69E}"/>
+                <a16:creationId xmlns:a16="http://schemas.microsoft.com/office/drawing/2014/main" id="{827395DB-9870-41BA-9C49-783E357D829E}"/>
               </a:ext>
             </a:extLst>
           </p:cNvPr>
-          <p:cNvSpPr>
-            <a:spLocks noGrp="1"/>
-          </p:cNvSpPr>
+          <p:cNvPicPr>
+            <a:picLocks noGrp="1" noChangeAspect="1"/>
+          </p:cNvPicPr>
           <p:nvPr>
             <p:ph idx="1"/>
           </p:nvPr>
-        </p:nvSpPr>
-        <p:spPr/>
-        <p:txBody>
-          <a:bodyPr/>
-          <a:lstStyle/>
-          <a:p>
-            <a:r>
-              <a:rPr lang="en-US" dirty="0"/>
-              <a:t>Quarterly Report</a:t>
-            </a:r>
-          </a:p>
-          <a:p>
-            <a:pPr lvl="1"/>
-            <a:r>
-              <a:rPr lang="en-US" dirty="0"/>
-              <a:t>Thank you for the feedback</a:t>
-            </a:r>
-          </a:p>
-          <a:p>
-            <a:pPr lvl="1"/>
-            <a:r>
-              <a:rPr lang="en-US" dirty="0"/>
-              <a:t>Next one/changes?</a:t>
-            </a:r>
-            <a:endParaRPr lang="en-ZA" dirty="0"/>
-          </a:p>
-        </p:txBody>
-      </p:sp>
+        </p:nvPicPr>
+        <p:blipFill>
+          <a:blip r:embed="rId2"/>
+          <a:stretch>
+            <a:fillRect/>
+          </a:stretch>
+        </p:blipFill>
+        <p:spPr>
+          <a:xfrm>
+            <a:off x="3557690" y="819576"/>
+            <a:ext cx="5074053" cy="5244501"/>
+          </a:xfrm>
+          <a:prstGeom prst="rect">
+            <a:avLst/>
+          </a:prstGeom>
+        </p:spPr>
+      </p:pic>
     </p:spTree>
     <p:extLst>
       <p:ext uri="{BB962C8B-B14F-4D97-AF65-F5344CB8AC3E}">
-        <p14:creationId xmlns:p14="http://schemas.microsoft.com/office/powerpoint/2010/main" val="2280869294"/>
+        <p14:creationId xmlns:p14="http://schemas.microsoft.com/office/powerpoint/2010/main" val="1593068911"/>
       </p:ext>
     </p:extLst>
   </p:cSld>
